--- a/resources/Syllabus_Graphics.pptx
+++ b/resources/Syllabus_Graphics.pptx
@@ -104,6 +104,11 @@
       </a:defRPr>
     </a:lvl9pPr>
   </p:defaultTextStyle>
+  <p:extLst>
+    <p:ext uri="{EFAFB233-063F-42B5-8137-9DF3F51BA10A}">
+      <p15:sldGuideLst xmlns:p15="http://schemas.microsoft.com/office/powerpoint/2012/main"/>
+    </p:ext>
+  </p:extLst>
 </p:presentation>
 </file>
 
@@ -238,7 +243,7 @@
           <a:p>
             <a:fld id="{A08514E0-5A38-4D74-B27B-4EC7F2028E9F}" type="datetimeFigureOut">
               <a:rPr lang="en-US" smtClean="0"/>
-              <a:t>8/2/2020</a:t>
+              <a:t>10/12/2021</a:t>
             </a:fld>
             <a:endParaRPr lang="en-US"/>
           </a:p>
@@ -408,7 +413,7 @@
           <a:p>
             <a:fld id="{A08514E0-5A38-4D74-B27B-4EC7F2028E9F}" type="datetimeFigureOut">
               <a:rPr lang="en-US" smtClean="0"/>
-              <a:t>8/2/2020</a:t>
+              <a:t>10/12/2021</a:t>
             </a:fld>
             <a:endParaRPr lang="en-US"/>
           </a:p>
@@ -588,7 +593,7 @@
           <a:p>
             <a:fld id="{A08514E0-5A38-4D74-B27B-4EC7F2028E9F}" type="datetimeFigureOut">
               <a:rPr lang="en-US" smtClean="0"/>
-              <a:t>8/2/2020</a:t>
+              <a:t>10/12/2021</a:t>
             </a:fld>
             <a:endParaRPr lang="en-US"/>
           </a:p>
@@ -758,7 +763,7 @@
           <a:p>
             <a:fld id="{A08514E0-5A38-4D74-B27B-4EC7F2028E9F}" type="datetimeFigureOut">
               <a:rPr lang="en-US" smtClean="0"/>
-              <a:t>8/2/2020</a:t>
+              <a:t>10/12/2021</a:t>
             </a:fld>
             <a:endParaRPr lang="en-US"/>
           </a:p>
@@ -1004,7 +1009,7 @@
           <a:p>
             <a:fld id="{A08514E0-5A38-4D74-B27B-4EC7F2028E9F}" type="datetimeFigureOut">
               <a:rPr lang="en-US" smtClean="0"/>
-              <a:t>8/2/2020</a:t>
+              <a:t>10/12/2021</a:t>
             </a:fld>
             <a:endParaRPr lang="en-US"/>
           </a:p>
@@ -1236,7 +1241,7 @@
           <a:p>
             <a:fld id="{A08514E0-5A38-4D74-B27B-4EC7F2028E9F}" type="datetimeFigureOut">
               <a:rPr lang="en-US" smtClean="0"/>
-              <a:t>8/2/2020</a:t>
+              <a:t>10/12/2021</a:t>
             </a:fld>
             <a:endParaRPr lang="en-US"/>
           </a:p>
@@ -1603,7 +1608,7 @@
           <a:p>
             <a:fld id="{A08514E0-5A38-4D74-B27B-4EC7F2028E9F}" type="datetimeFigureOut">
               <a:rPr lang="en-US" smtClean="0"/>
-              <a:t>8/2/2020</a:t>
+              <a:t>10/12/2021</a:t>
             </a:fld>
             <a:endParaRPr lang="en-US"/>
           </a:p>
@@ -1721,7 +1726,7 @@
           <a:p>
             <a:fld id="{A08514E0-5A38-4D74-B27B-4EC7F2028E9F}" type="datetimeFigureOut">
               <a:rPr lang="en-US" smtClean="0"/>
-              <a:t>8/2/2020</a:t>
+              <a:t>10/12/2021</a:t>
             </a:fld>
             <a:endParaRPr lang="en-US"/>
           </a:p>
@@ -1816,7 +1821,7 @@
           <a:p>
             <a:fld id="{A08514E0-5A38-4D74-B27B-4EC7F2028E9F}" type="datetimeFigureOut">
               <a:rPr lang="en-US" smtClean="0"/>
-              <a:t>8/2/2020</a:t>
+              <a:t>10/12/2021</a:t>
             </a:fld>
             <a:endParaRPr lang="en-US"/>
           </a:p>
@@ -2093,7 +2098,7 @@
           <a:p>
             <a:fld id="{A08514E0-5A38-4D74-B27B-4EC7F2028E9F}" type="datetimeFigureOut">
               <a:rPr lang="en-US" smtClean="0"/>
-              <a:t>8/2/2020</a:t>
+              <a:t>10/12/2021</a:t>
             </a:fld>
             <a:endParaRPr lang="en-US"/>
           </a:p>
@@ -2346,7 +2351,7 @@
           <a:p>
             <a:fld id="{A08514E0-5A38-4D74-B27B-4EC7F2028E9F}" type="datetimeFigureOut">
               <a:rPr lang="en-US" smtClean="0"/>
-              <a:t>8/2/2020</a:t>
+              <a:t>10/12/2021</a:t>
             </a:fld>
             <a:endParaRPr lang="en-US"/>
           </a:p>
@@ -2559,7 +2564,7 @@
           <a:p>
             <a:fld id="{A08514E0-5A38-4D74-B27B-4EC7F2028E9F}" type="datetimeFigureOut">
               <a:rPr lang="en-US" smtClean="0"/>
-              <a:t>8/2/2020</a:t>
+              <a:t>10/12/2021</a:t>
             </a:fld>
             <a:endParaRPr lang="en-US"/>
           </a:p>
@@ -3136,6 +3141,16 @@
           <a:lstStyle/>
           <a:p>
             <a:r>
+              <a:rPr lang="en-US" sz="2000" b="1" dirty="0">
+                <a:solidFill>
+                  <a:schemeClr val="accent1">
+                    <a:lumMod val="50000"/>
+                  </a:schemeClr>
+                </a:solidFill>
+              </a:rPr>
+              <a:t>4</a:t>
+            </a:r>
+            <a:r>
               <a:rPr lang="en-US" sz="2000" b="1" dirty="0" smtClean="0">
                 <a:solidFill>
                   <a:schemeClr val="accent1">
@@ -3143,7 +3158,7 @@
                   </a:schemeClr>
                 </a:solidFill>
               </a:rPr>
-              <a:t>7.5 </a:t>
+              <a:t>.5 </a:t>
             </a:r>
             <a:r>
               <a:rPr lang="en-US" sz="2000" b="1" dirty="0" err="1" smtClean="0">
@@ -3234,7 +3249,7 @@
         <p:spPr>
           <a:xfrm>
             <a:off x="4276248" y="4569295"/>
-            <a:ext cx="2050241" cy="400110"/>
+            <a:ext cx="1920398" cy="400110"/>
           </a:xfrm>
           <a:prstGeom prst="rect">
             <a:avLst/>
@@ -3253,7 +3268,15 @@
                   <a:schemeClr val="accent2"/>
                 </a:solidFill>
               </a:rPr>
-              <a:t>15-22.5 </a:t>
+              <a:t>9</a:t>
+            </a:r>
+            <a:r>
+              <a:rPr lang="en-US" sz="2000" b="1" dirty="0" smtClean="0">
+                <a:solidFill>
+                  <a:schemeClr val="accent2"/>
+                </a:solidFill>
+              </a:rPr>
+              <a:t>-13.5 </a:t>
             </a:r>
             <a:r>
               <a:rPr lang="en-US" sz="2000" b="1" dirty="0" err="1" smtClean="0">
